--- a/Meeting/210125.pptx
+++ b/Meeting/210125.pptx
@@ -243,7 +243,7 @@
           <a:p>
             <a:fld id="{B89439D0-FD9D-422F-B146-05CF417EE40C}" type="datetimeFigureOut">
               <a:rPr lang="ko-KR" altLang="en-US" smtClean="0"/>
-              <a:t>2021-01-25</a:t>
+              <a:t>2021-01-28</a:t>
             </a:fld>
             <a:endParaRPr lang="ko-KR" altLang="en-US"/>
           </a:p>
@@ -413,7 +413,7 @@
           <a:p>
             <a:fld id="{B89439D0-FD9D-422F-B146-05CF417EE40C}" type="datetimeFigureOut">
               <a:rPr lang="ko-KR" altLang="en-US" smtClean="0"/>
-              <a:t>2021-01-25</a:t>
+              <a:t>2021-01-28</a:t>
             </a:fld>
             <a:endParaRPr lang="ko-KR" altLang="en-US"/>
           </a:p>
@@ -593,7 +593,7 @@
           <a:p>
             <a:fld id="{B89439D0-FD9D-422F-B146-05CF417EE40C}" type="datetimeFigureOut">
               <a:rPr lang="ko-KR" altLang="en-US" smtClean="0"/>
-              <a:t>2021-01-25</a:t>
+              <a:t>2021-01-28</a:t>
             </a:fld>
             <a:endParaRPr lang="ko-KR" altLang="en-US"/>
           </a:p>
@@ -763,7 +763,7 @@
           <a:p>
             <a:fld id="{B89439D0-FD9D-422F-B146-05CF417EE40C}" type="datetimeFigureOut">
               <a:rPr lang="ko-KR" altLang="en-US" smtClean="0"/>
-              <a:t>2021-01-25</a:t>
+              <a:t>2021-01-28</a:t>
             </a:fld>
             <a:endParaRPr lang="ko-KR" altLang="en-US"/>
           </a:p>
@@ -1009,7 +1009,7 @@
           <a:p>
             <a:fld id="{B89439D0-FD9D-422F-B146-05CF417EE40C}" type="datetimeFigureOut">
               <a:rPr lang="ko-KR" altLang="en-US" smtClean="0"/>
-              <a:t>2021-01-25</a:t>
+              <a:t>2021-01-28</a:t>
             </a:fld>
             <a:endParaRPr lang="ko-KR" altLang="en-US"/>
           </a:p>
@@ -1241,7 +1241,7 @@
           <a:p>
             <a:fld id="{B89439D0-FD9D-422F-B146-05CF417EE40C}" type="datetimeFigureOut">
               <a:rPr lang="ko-KR" altLang="en-US" smtClean="0"/>
-              <a:t>2021-01-25</a:t>
+              <a:t>2021-01-28</a:t>
             </a:fld>
             <a:endParaRPr lang="ko-KR" altLang="en-US"/>
           </a:p>
@@ -1608,7 +1608,7 @@
           <a:p>
             <a:fld id="{B89439D0-FD9D-422F-B146-05CF417EE40C}" type="datetimeFigureOut">
               <a:rPr lang="ko-KR" altLang="en-US" smtClean="0"/>
-              <a:t>2021-01-25</a:t>
+              <a:t>2021-01-28</a:t>
             </a:fld>
             <a:endParaRPr lang="ko-KR" altLang="en-US"/>
           </a:p>
@@ -1726,7 +1726,7 @@
           <a:p>
             <a:fld id="{B89439D0-FD9D-422F-B146-05CF417EE40C}" type="datetimeFigureOut">
               <a:rPr lang="ko-KR" altLang="en-US" smtClean="0"/>
-              <a:t>2021-01-25</a:t>
+              <a:t>2021-01-28</a:t>
             </a:fld>
             <a:endParaRPr lang="ko-KR" altLang="en-US"/>
           </a:p>
@@ -1821,7 +1821,7 @@
           <a:p>
             <a:fld id="{B89439D0-FD9D-422F-B146-05CF417EE40C}" type="datetimeFigureOut">
               <a:rPr lang="ko-KR" altLang="en-US" smtClean="0"/>
-              <a:t>2021-01-25</a:t>
+              <a:t>2021-01-28</a:t>
             </a:fld>
             <a:endParaRPr lang="ko-KR" altLang="en-US"/>
           </a:p>
@@ -2098,7 +2098,7 @@
           <a:p>
             <a:fld id="{B89439D0-FD9D-422F-B146-05CF417EE40C}" type="datetimeFigureOut">
               <a:rPr lang="ko-KR" altLang="en-US" smtClean="0"/>
-              <a:t>2021-01-25</a:t>
+              <a:t>2021-01-28</a:t>
             </a:fld>
             <a:endParaRPr lang="ko-KR" altLang="en-US"/>
           </a:p>
@@ -2351,7 +2351,7 @@
           <a:p>
             <a:fld id="{B89439D0-FD9D-422F-B146-05CF417EE40C}" type="datetimeFigureOut">
               <a:rPr lang="ko-KR" altLang="en-US" smtClean="0"/>
-              <a:t>2021-01-25</a:t>
+              <a:t>2021-01-28</a:t>
             </a:fld>
             <a:endParaRPr lang="ko-KR" altLang="en-US"/>
           </a:p>
@@ -2564,7 +2564,7 @@
           <a:p>
             <a:fld id="{B89439D0-FD9D-422F-B146-05CF417EE40C}" type="datetimeFigureOut">
               <a:rPr lang="ko-KR" altLang="en-US" smtClean="0"/>
-              <a:t>2021-01-25</a:t>
+              <a:t>2021-01-28</a:t>
             </a:fld>
             <a:endParaRPr lang="ko-KR" altLang="en-US"/>
           </a:p>
@@ -3015,14 +3015,7 @@
                 <a:latin typeface="Noto Sans CJK KR DemiLight" panose="020B0400000000000000" pitchFamily="34" charset="-127"/>
                 <a:ea typeface="Noto Sans CJK KR DemiLight" panose="020B0400000000000000" pitchFamily="34" charset="-127"/>
               </a:rPr>
-              <a:t>[</a:t>
-            </a:r>
-            <a:r>
-              <a:rPr lang="en-US" altLang="ko-KR" sz="1400" b="1" dirty="0" smtClean="0">
-                <a:latin typeface="Noto Sans CJK KR DemiLight" panose="020B0400000000000000" pitchFamily="34" charset="-127"/>
-                <a:ea typeface="Noto Sans CJK KR DemiLight" panose="020B0400000000000000" pitchFamily="34" charset="-127"/>
-              </a:rPr>
-              <a:t>21-01-25] </a:t>
+              <a:t>[21-01-25] </a:t>
             </a:r>
             <a:r>
               <a:rPr lang="ko-KR" altLang="en-US" sz="1400" b="1" dirty="0" smtClean="0">
@@ -3322,14 +3315,7 @@
                 <a:latin typeface="Noto Sans CJK KR DemiLight" panose="020B0400000000000000" pitchFamily="34" charset="-127"/>
                 <a:ea typeface="Noto Sans CJK KR DemiLight" panose="020B0400000000000000" pitchFamily="34" charset="-127"/>
               </a:rPr>
-              <a:t> </a:t>
-            </a:r>
-            <a:r>
-              <a:rPr lang="ko-KR" altLang="en-US" sz="1100" dirty="0" smtClean="0">
-                <a:latin typeface="Noto Sans CJK KR DemiLight" panose="020B0400000000000000" pitchFamily="34" charset="-127"/>
-                <a:ea typeface="Noto Sans CJK KR DemiLight" panose="020B0400000000000000" pitchFamily="34" charset="-127"/>
-              </a:rPr>
-              <a:t>지하 회의실</a:t>
+              <a:t> 지하 회의실</a:t>
             </a:r>
             <a:r>
               <a:rPr lang="en-US" altLang="ko-KR" sz="1100" dirty="0" smtClean="0">
@@ -3338,10 +3324,6 @@
               </a:rPr>
               <a:t>(TV)</a:t>
             </a:r>
-            <a:endParaRPr lang="en-US" altLang="ko-KR" sz="1100" dirty="0" smtClean="0">
-              <a:latin typeface="Noto Sans CJK KR DemiLight" panose="020B0400000000000000" pitchFamily="34" charset="-127"/>
-              <a:ea typeface="Noto Sans CJK KR DemiLight" panose="020B0400000000000000" pitchFamily="34" charset="-127"/>
-            </a:endParaRPr>
           </a:p>
           <a:p>
             <a:endParaRPr lang="en-US" altLang="ko-KR" sz="1100" dirty="0" smtClean="0">
@@ -3456,7 +3438,7 @@
         <p:spPr>
           <a:xfrm>
             <a:off x="2238104" y="444138"/>
-            <a:ext cx="9884228" cy="2462213"/>
+            <a:ext cx="9884228" cy="2631490"/>
           </a:xfrm>
           <a:prstGeom prst="rect">
             <a:avLst/>
@@ -3566,14 +3548,7 @@
                 <a:latin typeface="Noto Sans CJK KR DemiLight" panose="020B0400000000000000" pitchFamily="34" charset="-127"/>
                 <a:ea typeface="Noto Sans CJK KR DemiLight" panose="020B0400000000000000" pitchFamily="34" charset="-127"/>
               </a:rPr>
-              <a:t>솔루션은 </a:t>
-            </a:r>
-            <a:r>
-              <a:rPr lang="ko-KR" altLang="en-US" sz="1100" dirty="0" smtClean="0">
-                <a:latin typeface="Noto Sans CJK KR DemiLight" panose="020B0400000000000000" pitchFamily="34" charset="-127"/>
-                <a:ea typeface="Noto Sans CJK KR DemiLight" panose="020B0400000000000000" pitchFamily="34" charset="-127"/>
-              </a:rPr>
-              <a:t>현행 유지</a:t>
+              <a:t>솔루션은 현행 유지</a:t>
             </a:r>
             <a:r>
               <a:rPr lang="en-US" altLang="ko-KR" sz="1100" dirty="0" smtClean="0">
@@ -3810,29 +3785,196 @@
                 <a:latin typeface="Noto Sans CJK KR DemiLight" panose="020B0400000000000000" pitchFamily="34" charset="-127"/>
                 <a:ea typeface="Noto Sans CJK KR DemiLight" panose="020B0400000000000000" pitchFamily="34" charset="-127"/>
               </a:rPr>
-              <a:t>자바스크립트 관련 정리</a:t>
+              <a:t>자바스크립트 관련 </a:t>
+            </a:r>
+            <a:r>
+              <a:rPr lang="ko-KR" altLang="en-US" sz="1100" dirty="0" smtClean="0">
+                <a:latin typeface="Noto Sans CJK KR DemiLight" panose="020B0400000000000000" pitchFamily="34" charset="-127"/>
+                <a:ea typeface="Noto Sans CJK KR DemiLight" panose="020B0400000000000000" pitchFamily="34" charset="-127"/>
+              </a:rPr>
+              <a:t>정리</a:t>
+            </a:r>
+            <a:r>
+              <a:rPr lang="en-US" altLang="ko-KR" sz="1100" dirty="0">
+                <a:latin typeface="Noto Sans CJK KR DemiLight" panose="020B0400000000000000" pitchFamily="34" charset="-127"/>
+                <a:ea typeface="Noto Sans CJK KR DemiLight" panose="020B0400000000000000" pitchFamily="34" charset="-127"/>
+              </a:rPr>
+              <a:t> </a:t>
             </a:r>
             <a:r>
               <a:rPr lang="en-US" altLang="ko-KR" sz="1100" dirty="0" smtClean="0">
                 <a:latin typeface="Noto Sans CJK KR DemiLight" panose="020B0400000000000000" pitchFamily="34" charset="-127"/>
                 <a:ea typeface="Noto Sans CJK KR DemiLight" panose="020B0400000000000000" pitchFamily="34" charset="-127"/>
               </a:rPr>
-              <a:t>(</a:t>
+              <a:t>( 1</a:t>
             </a:r>
             <a:r>
               <a:rPr lang="ko-KR" altLang="en-US" sz="1100" dirty="0" smtClean="0">
                 <a:latin typeface="Noto Sans CJK KR DemiLight" panose="020B0400000000000000" pitchFamily="34" charset="-127"/>
                 <a:ea typeface="Noto Sans CJK KR DemiLight" panose="020B0400000000000000" pitchFamily="34" charset="-127"/>
               </a:rPr>
-              <a:t>추가 일정 나오면 공유</a:t>
+              <a:t>차 </a:t>
             </a:r>
             <a:r>
               <a:rPr lang="en-US" altLang="ko-KR" sz="1100" dirty="0" smtClean="0">
                 <a:latin typeface="Noto Sans CJK KR DemiLight" panose="020B0400000000000000" pitchFamily="34" charset="-127"/>
                 <a:ea typeface="Noto Sans CJK KR DemiLight" panose="020B0400000000000000" pitchFamily="34" charset="-127"/>
               </a:rPr>
+              <a:t>- </a:t>
+            </a:r>
+            <a:r>
+              <a:rPr lang="ko-KR" altLang="en-US" sz="1100" dirty="0" smtClean="0">
+                <a:latin typeface="Noto Sans CJK KR DemiLight" panose="020B0400000000000000" pitchFamily="34" charset="-127"/>
+                <a:ea typeface="Noto Sans CJK KR DemiLight" panose="020B0400000000000000" pitchFamily="34" charset="-127"/>
+              </a:rPr>
+              <a:t>자바스크립트 기초 </a:t>
+            </a:r>
+            <a:r>
+              <a:rPr lang="en-US" altLang="ko-KR" sz="1100" dirty="0" smtClean="0">
+                <a:latin typeface="Noto Sans CJK KR DemiLight" panose="020B0400000000000000" pitchFamily="34" charset="-127"/>
+                <a:ea typeface="Noto Sans CJK KR DemiLight" panose="020B0400000000000000" pitchFamily="34" charset="-127"/>
+              </a:rPr>
+              <a:t>/ 2</a:t>
+            </a:r>
+            <a:r>
+              <a:rPr lang="ko-KR" altLang="en-US" sz="1100" dirty="0" smtClean="0">
+                <a:latin typeface="Noto Sans CJK KR DemiLight" panose="020B0400000000000000" pitchFamily="34" charset="-127"/>
+                <a:ea typeface="Noto Sans CJK KR DemiLight" panose="020B0400000000000000" pitchFamily="34" charset="-127"/>
+              </a:rPr>
+              <a:t>차 </a:t>
+            </a:r>
+            <a:r>
+              <a:rPr lang="en-US" altLang="ko-KR" sz="1100" dirty="0" smtClean="0">
+                <a:latin typeface="Noto Sans CJK KR DemiLight" panose="020B0400000000000000" pitchFamily="34" charset="-127"/>
+                <a:ea typeface="Noto Sans CJK KR DemiLight" panose="020B0400000000000000" pitchFamily="34" charset="-127"/>
+              </a:rPr>
+              <a:t>- </a:t>
+            </a:r>
+            <a:r>
+              <a:rPr lang="ko-KR" altLang="en-US" sz="1100" dirty="0" smtClean="0">
+                <a:latin typeface="Noto Sans CJK KR DemiLight" panose="020B0400000000000000" pitchFamily="34" charset="-127"/>
+                <a:ea typeface="Noto Sans CJK KR DemiLight" panose="020B0400000000000000" pitchFamily="34" charset="-127"/>
+              </a:rPr>
+              <a:t>자바스크립트 동작원리 </a:t>
+            </a:r>
+            <a:r>
+              <a:rPr lang="en-US" altLang="ko-KR" sz="1100" dirty="0" smtClean="0">
+                <a:latin typeface="Noto Sans CJK KR DemiLight" panose="020B0400000000000000" pitchFamily="34" charset="-127"/>
+                <a:ea typeface="Noto Sans CJK KR DemiLight" panose="020B0400000000000000" pitchFamily="34" charset="-127"/>
+              </a:rPr>
+              <a:t>/ 3</a:t>
+            </a:r>
+            <a:r>
+              <a:rPr lang="ko-KR" altLang="en-US" sz="1100" dirty="0" smtClean="0">
+                <a:latin typeface="Noto Sans CJK KR DemiLight" panose="020B0400000000000000" pitchFamily="34" charset="-127"/>
+                <a:ea typeface="Noto Sans CJK KR DemiLight" panose="020B0400000000000000" pitchFamily="34" charset="-127"/>
+              </a:rPr>
+              <a:t>차 </a:t>
+            </a:r>
+            <a:r>
+              <a:rPr lang="en-US" altLang="ko-KR" sz="1100" dirty="0" smtClean="0">
+                <a:latin typeface="Noto Sans CJK KR DemiLight" panose="020B0400000000000000" pitchFamily="34" charset="-127"/>
+                <a:ea typeface="Noto Sans CJK KR DemiLight" panose="020B0400000000000000" pitchFamily="34" charset="-127"/>
+              </a:rPr>
+              <a:t>- </a:t>
+            </a:r>
+            <a:r>
+              <a:rPr lang="ko-KR" altLang="en-US" sz="1100" dirty="0" smtClean="0">
+                <a:latin typeface="Noto Sans CJK KR DemiLight" panose="020B0400000000000000" pitchFamily="34" charset="-127"/>
+                <a:ea typeface="Noto Sans CJK KR DemiLight" panose="020B0400000000000000" pitchFamily="34" charset="-127"/>
+              </a:rPr>
+              <a:t>프레임워크</a:t>
+            </a:r>
+            <a:r>
+              <a:rPr lang="en-US" altLang="ko-KR" sz="1100" dirty="0" smtClean="0">
+                <a:latin typeface="Noto Sans CJK KR DemiLight" panose="020B0400000000000000" pitchFamily="34" charset="-127"/>
+                <a:ea typeface="Noto Sans CJK KR DemiLight" panose="020B0400000000000000" pitchFamily="34" charset="-127"/>
+              </a:rPr>
               <a:t>)</a:t>
             </a:r>
+          </a:p>
+          <a:p>
+            <a:r>
+              <a:rPr lang="ko-KR" altLang="en-US" sz="1100" dirty="0" smtClean="0">
+                <a:latin typeface="Noto Sans CJK KR DemiLight" panose="020B0400000000000000" pitchFamily="34" charset="-127"/>
+                <a:ea typeface="Noto Sans CJK KR DemiLight" panose="020B0400000000000000" pitchFamily="34" charset="-127"/>
+              </a:rPr>
+              <a:t>         └ 다음 스터디 컨텐츠 </a:t>
+            </a:r>
+            <a:r>
+              <a:rPr lang="en-US" altLang="ko-KR" sz="1100" dirty="0" smtClean="0">
+                <a:latin typeface="Noto Sans CJK KR DemiLight" panose="020B0400000000000000" pitchFamily="34" charset="-127"/>
+                <a:ea typeface="Noto Sans CJK KR DemiLight" panose="020B0400000000000000" pitchFamily="34" charset="-127"/>
+              </a:rPr>
+              <a:t>: </a:t>
+            </a:r>
+            <a:r>
+              <a:rPr lang="ko-KR" altLang="en-US" sz="1100" dirty="0" smtClean="0">
+                <a:latin typeface="Noto Sans CJK KR DemiLight" panose="020B0400000000000000" pitchFamily="34" charset="-127"/>
+                <a:ea typeface="Noto Sans CJK KR DemiLight" panose="020B0400000000000000" pitchFamily="34" charset="-127"/>
+              </a:rPr>
+              <a:t>자바스크립트 기초 </a:t>
+            </a:r>
+            <a:r>
+              <a:rPr lang="en-US" altLang="ko-KR" sz="1100" dirty="0" smtClean="0">
+                <a:latin typeface="Noto Sans CJK KR DemiLight" panose="020B0400000000000000" pitchFamily="34" charset="-127"/>
+                <a:ea typeface="Noto Sans CJK KR DemiLight" panose="020B0400000000000000" pitchFamily="34" charset="-127"/>
+              </a:rPr>
+              <a:t>( 1. </a:t>
+            </a:r>
+            <a:r>
+              <a:rPr lang="ko-KR" altLang="en-US" sz="1100" dirty="0" smtClean="0">
+                <a:latin typeface="Noto Sans CJK KR DemiLight" panose="020B0400000000000000" pitchFamily="34" charset="-127"/>
+                <a:ea typeface="Noto Sans CJK KR DemiLight" panose="020B0400000000000000" pitchFamily="34" charset="-127"/>
+              </a:rPr>
+              <a:t>기초 </a:t>
+            </a:r>
+            <a:r>
+              <a:rPr lang="en-US" altLang="ko-KR" sz="1100" dirty="0" smtClean="0">
+                <a:latin typeface="Noto Sans CJK KR DemiLight" panose="020B0400000000000000" pitchFamily="34" charset="-127"/>
+                <a:ea typeface="Noto Sans CJK KR DemiLight" panose="020B0400000000000000" pitchFamily="34" charset="-127"/>
+              </a:rPr>
+              <a:t>/ 2. </a:t>
+            </a:r>
+            <a:r>
+              <a:rPr lang="ko-KR" altLang="en-US" sz="1100" dirty="0" smtClean="0">
+                <a:latin typeface="Noto Sans CJK KR DemiLight" panose="020B0400000000000000" pitchFamily="34" charset="-127"/>
+                <a:ea typeface="Noto Sans CJK KR DemiLight" panose="020B0400000000000000" pitchFamily="34" charset="-127"/>
+              </a:rPr>
+              <a:t>기본 문법 </a:t>
+            </a:r>
+            <a:r>
+              <a:rPr lang="en-US" altLang="ko-KR" sz="1100" dirty="0" smtClean="0">
+                <a:latin typeface="Noto Sans CJK KR DemiLight" panose="020B0400000000000000" pitchFamily="34" charset="-127"/>
+                <a:ea typeface="Noto Sans CJK KR DemiLight" panose="020B0400000000000000" pitchFamily="34" charset="-127"/>
+              </a:rPr>
+              <a:t>/ 3. </a:t>
+            </a:r>
+            <a:r>
+              <a:rPr lang="ko-KR" altLang="en-US" sz="1100" dirty="0" smtClean="0">
+                <a:latin typeface="Noto Sans CJK KR DemiLight" panose="020B0400000000000000" pitchFamily="34" charset="-127"/>
+                <a:ea typeface="Noto Sans CJK KR DemiLight" panose="020B0400000000000000" pitchFamily="34" charset="-127"/>
+              </a:rPr>
+              <a:t>이벤트와 </a:t>
+            </a:r>
+            <a:r>
+              <a:rPr lang="en-US" altLang="ko-KR" sz="1100" dirty="0" smtClean="0">
+                <a:latin typeface="Noto Sans CJK KR DemiLight" panose="020B0400000000000000" pitchFamily="34" charset="-127"/>
+                <a:ea typeface="Noto Sans CJK KR DemiLight" panose="020B0400000000000000" pitchFamily="34" charset="-127"/>
+              </a:rPr>
+              <a:t>DOM)</a:t>
+            </a:r>
+            <a:r>
+              <a:rPr lang="ko-KR" altLang="en-US" sz="1100" dirty="0" smtClean="0">
+                <a:latin typeface="Noto Sans CJK KR DemiLight" panose="020B0400000000000000" pitchFamily="34" charset="-127"/>
+                <a:ea typeface="Noto Sans CJK KR DemiLight" panose="020B0400000000000000" pitchFamily="34" charset="-127"/>
+              </a:rPr>
+              <a:t> </a:t>
+            </a:r>
+            <a:endParaRPr lang="en-US" altLang="ko-KR" sz="1100" dirty="0" smtClean="0">
+              <a:latin typeface="Noto Sans CJK KR DemiLight" panose="020B0400000000000000" pitchFamily="34" charset="-127"/>
+              <a:ea typeface="Noto Sans CJK KR DemiLight" panose="020B0400000000000000" pitchFamily="34" charset="-127"/>
+            </a:endParaRPr>
           </a:p>
           <a:p>
             <a:pPr marL="171450" indent="-171450">
